--- a/.github/niceproject/source/learning/robotics/lmtd_rrt.pptx
+++ b/.github/niceproject/source/learning/robotics/lmtd_rrt.pptx
@@ -214,7 +214,7 @@
           <a:p>
             <a:fld id="{0E43F09C-6EB0-49C9-988E-C9543D80D126}" type="datetimeFigureOut">
               <a:rPr lang="zh-CN" altLang="en-US" smtClean="0"/>
-              <a:t>2023/5/8</a:t>
+              <a:t>2023/5/9</a:t>
             </a:fld>
             <a:endParaRPr lang="zh-CN" altLang="en-US"/>
           </a:p>
@@ -869,7 +869,7 @@
           <a:p>
             <a:fld id="{3C53B58A-472C-4EA6-B2E6-D44B6543A13E}" type="datetime1">
               <a:rPr lang="zh-CN" altLang="en-US" smtClean="0"/>
-              <a:t>2023/5/8</a:t>
+              <a:t>2023/5/9</a:t>
             </a:fld>
             <a:endParaRPr lang="zh-CN" altLang="en-US"/>
           </a:p>
@@ -1039,7 +1039,7 @@
           <a:p>
             <a:fld id="{1D6F6685-B1ED-4262-B140-8BD502FC7748}" type="datetime1">
               <a:rPr lang="zh-CN" altLang="en-US" smtClean="0"/>
-              <a:t>2023/5/8</a:t>
+              <a:t>2023/5/9</a:t>
             </a:fld>
             <a:endParaRPr lang="zh-CN" altLang="en-US"/>
           </a:p>
@@ -1219,7 +1219,7 @@
           <a:p>
             <a:fld id="{8D7C882E-9F07-4216-932B-9437D2960A88}" type="datetime1">
               <a:rPr lang="zh-CN" altLang="en-US" smtClean="0"/>
-              <a:t>2023/5/8</a:t>
+              <a:t>2023/5/9</a:t>
             </a:fld>
             <a:endParaRPr lang="zh-CN" altLang="en-US"/>
           </a:p>
@@ -1509,7 +1509,7 @@
                   </a:prstClr>
                 </a:solidFill>
               </a:rPr>
-              <a:t>2023/5/8</a:t>
+              <a:t>2023/5/9</a:t>
             </a:fld>
             <a:endParaRPr lang="zh-CN" altLang="en-US">
               <a:solidFill>
@@ -1785,7 +1785,7 @@
                   </a:prstClr>
                 </a:solidFill>
               </a:rPr>
-              <a:t>2023/5/8</a:t>
+              <a:t>2023/5/9</a:t>
             </a:fld>
             <a:endParaRPr lang="zh-CN" altLang="en-US">
               <a:solidFill>
@@ -2101,7 +2101,7 @@
                   </a:prstClr>
                 </a:solidFill>
               </a:rPr>
-              <a:t>2023/5/8</a:t>
+              <a:t>2023/5/9</a:t>
             </a:fld>
             <a:endParaRPr lang="zh-CN" altLang="en-US">
               <a:solidFill>
@@ -2551,7 +2551,7 @@
                   </a:prstClr>
                 </a:solidFill>
               </a:rPr>
-              <a:t>2023/5/8</a:t>
+              <a:t>2023/5/9</a:t>
             </a:fld>
             <a:endParaRPr lang="zh-CN" altLang="en-US">
               <a:solidFill>
@@ -2699,7 +2699,7 @@
                   </a:prstClr>
                 </a:solidFill>
               </a:rPr>
-              <a:t>2023/5/8</a:t>
+              <a:t>2023/5/9</a:t>
             </a:fld>
             <a:endParaRPr lang="zh-CN" altLang="en-US">
               <a:solidFill>
@@ -2825,7 +2825,7 @@
                   </a:prstClr>
                 </a:solidFill>
               </a:rPr>
-              <a:t>2023/5/8</a:t>
+              <a:t>2023/5/9</a:t>
             </a:fld>
             <a:endParaRPr lang="zh-CN" altLang="en-US">
               <a:solidFill>
@@ -3131,7 +3131,7 @@
                   </a:prstClr>
                 </a:solidFill>
               </a:rPr>
-              <a:t>2023/5/8</a:t>
+              <a:t>2023/5/9</a:t>
             </a:fld>
             <a:endParaRPr lang="zh-CN" altLang="en-US">
               <a:solidFill>
@@ -3326,7 +3326,7 @@
           <a:p>
             <a:fld id="{DAA75348-6450-4B23-85A1-44F416A2035D}" type="datetime1">
               <a:rPr lang="zh-CN" altLang="en-US" smtClean="0"/>
-              <a:t>2023/5/8</a:t>
+              <a:t>2023/5/9</a:t>
             </a:fld>
             <a:endParaRPr lang="zh-CN" altLang="en-US"/>
           </a:p>
@@ -3584,7 +3584,7 @@
                   </a:prstClr>
                 </a:solidFill>
               </a:rPr>
-              <a:t>2023/5/8</a:t>
+              <a:t>2023/5/9</a:t>
             </a:fld>
             <a:endParaRPr lang="zh-CN" altLang="en-US">
               <a:solidFill>
@@ -3783,7 +3783,7 @@
                   </a:prstClr>
                 </a:solidFill>
               </a:rPr>
-              <a:t>2023/5/8</a:t>
+              <a:t>2023/5/9</a:t>
             </a:fld>
             <a:endParaRPr lang="zh-CN" altLang="en-US">
               <a:solidFill>
@@ -3992,7 +3992,7 @@
                   </a:prstClr>
                 </a:solidFill>
               </a:rPr>
-              <a:t>2023/5/8</a:t>
+              <a:t>2023/5/9</a:t>
             </a:fld>
             <a:endParaRPr lang="zh-CN" altLang="en-US">
               <a:solidFill>
@@ -4225,7 +4225,7 @@
           <a:p>
             <a:fld id="{A70106A1-9236-4947-AAA3-2A6F60E21C6B}" type="datetimeFigureOut">
               <a:rPr kumimoji="1" lang="zh-CN" altLang="en-US" smtClean="0"/>
-              <a:t>2023/5/8</a:t>
+              <a:t>2023/5/9</a:t>
             </a:fld>
             <a:endParaRPr kumimoji="1" lang="zh-CN" altLang="en-US"/>
           </a:p>
@@ -4481,7 +4481,7 @@
           <a:p>
             <a:fld id="{2A097217-4B33-4C00-BA0F-1F06E5DDB433}" type="datetime1">
               <a:rPr lang="zh-CN" altLang="en-US" smtClean="0"/>
-              <a:t>2023/5/8</a:t>
+              <a:t>2023/5/9</a:t>
             </a:fld>
             <a:endParaRPr lang="zh-CN" altLang="en-US"/>
           </a:p>
@@ -4713,7 +4713,7 @@
           <a:p>
             <a:fld id="{65266C25-ED4D-48DF-9435-5DCE3446B666}" type="datetime1">
               <a:rPr lang="zh-CN" altLang="en-US" smtClean="0"/>
-              <a:t>2023/5/8</a:t>
+              <a:t>2023/5/9</a:t>
             </a:fld>
             <a:endParaRPr lang="zh-CN" altLang="en-US"/>
           </a:p>
@@ -5080,7 +5080,7 @@
           <a:p>
             <a:fld id="{FBF56ED1-BFAD-4986-B886-D85DD87B6D52}" type="datetime1">
               <a:rPr lang="zh-CN" altLang="en-US" smtClean="0"/>
-              <a:t>2023/5/8</a:t>
+              <a:t>2023/5/9</a:t>
             </a:fld>
             <a:endParaRPr lang="zh-CN" altLang="en-US"/>
           </a:p>
@@ -5198,7 +5198,7 @@
           <a:p>
             <a:fld id="{A2CBF10F-4560-4FB4-B08A-7E0163E2C350}" type="datetime1">
               <a:rPr lang="zh-CN" altLang="en-US" smtClean="0"/>
-              <a:t>2023/5/8</a:t>
+              <a:t>2023/5/9</a:t>
             </a:fld>
             <a:endParaRPr lang="zh-CN" altLang="en-US"/>
           </a:p>
@@ -5293,7 +5293,7 @@
           <a:p>
             <a:fld id="{541F71FE-108D-49A0-826A-5EF1AE17C461}" type="datetime1">
               <a:rPr lang="zh-CN" altLang="en-US" smtClean="0"/>
-              <a:t>2023/5/8</a:t>
+              <a:t>2023/5/9</a:t>
             </a:fld>
             <a:endParaRPr lang="zh-CN" altLang="en-US"/>
           </a:p>
@@ -5570,7 +5570,7 @@
           <a:p>
             <a:fld id="{E709C95F-B1FD-4240-92C1-7F908D0A9413}" type="datetime1">
               <a:rPr lang="zh-CN" altLang="en-US" smtClean="0"/>
-              <a:t>2023/5/8</a:t>
+              <a:t>2023/5/9</a:t>
             </a:fld>
             <a:endParaRPr lang="zh-CN" altLang="en-US"/>
           </a:p>
@@ -5827,7 +5827,7 @@
           <a:p>
             <a:fld id="{72787B36-F8F3-423B-BBF3-10E759FD2F40}" type="datetime1">
               <a:rPr lang="zh-CN" altLang="en-US" smtClean="0"/>
-              <a:t>2023/5/8</a:t>
+              <a:t>2023/5/9</a:t>
             </a:fld>
             <a:endParaRPr lang="zh-CN" altLang="en-US"/>
           </a:p>
@@ -6040,7 +6040,7 @@
           <a:p>
             <a:fld id="{02BFC9E1-FBB1-400C-99DC-5F9855695E64}" type="datetime1">
               <a:rPr lang="zh-CN" altLang="en-US" smtClean="0"/>
-              <a:t>2023/5/8</a:t>
+              <a:t>2023/5/9</a:t>
             </a:fld>
             <a:endParaRPr lang="zh-CN" altLang="en-US"/>
           </a:p>
@@ -6585,7 +6585,7 @@
                   </a:prstClr>
                 </a:solidFill>
               </a:rPr>
-              <a:t>2023/5/8</a:t>
+              <a:t>2023/5/9</a:t>
             </a:fld>
             <a:endParaRPr lang="zh-CN" altLang="en-US">
               <a:solidFill>
@@ -14722,8 +14722,8 @@
             </a:p>
           </p:txBody>
         </p:sp>
-        <mc:AlternateContent xmlns:mc="http://schemas.openxmlformats.org/markup-compatibility/2006" xmlns:a14="http://schemas.microsoft.com/office/drawing/2010/main">
-          <mc:Choice Requires="a14">
+        <mc:AlternateContent xmlns:mc="http://schemas.openxmlformats.org/markup-compatibility/2006">
+          <mc:Choice xmlns:a14="http://schemas.microsoft.com/office/drawing/2010/main" Requires="a14">
             <p:sp>
               <p:nvSpPr>
                 <p:cNvPr id="40" name="文本框 39">
@@ -14738,8 +14738,8 @@
               </p:nvSpPr>
               <p:spPr>
                 <a:xfrm>
-                  <a:off x="6085379" y="4779174"/>
-                  <a:ext cx="2705549" cy="276999"/>
+                  <a:off x="6123851" y="4779174"/>
+                  <a:ext cx="2628605" cy="276999"/>
                 </a:xfrm>
                 <a:prstGeom prst="rect">
                   <a:avLst/>
@@ -14761,7 +14761,7 @@
                       <a:latin typeface="Times New Roman" panose="02020603050405020304" pitchFamily="18" charset="0"/>
                       <a:cs typeface="Times New Roman" panose="02020603050405020304" pitchFamily="18" charset="0"/>
                     </a:rPr>
-                    <a:t>Hard not check planned points within </a:t>
+                    <a:t>Hard to check planned points within </a:t>
                   </a:r>
                   <a14:m>
                     <m:oMath xmlns:m="http://schemas.openxmlformats.org/officeDocument/2006/math">
@@ -14816,7 +14816,7 @@
               </p:txBody>
             </p:sp>
           </mc:Choice>
-          <mc:Fallback xmlns="">
+          <mc:Fallback>
             <p:sp>
               <p:nvSpPr>
                 <p:cNvPr id="40" name="文本框 39">
@@ -14833,8 +14833,8 @@
               </p:nvSpPr>
               <p:spPr>
                 <a:xfrm>
-                  <a:off x="6085379" y="4779174"/>
-                  <a:ext cx="2705549" cy="276999"/>
+                  <a:off x="6123851" y="4779174"/>
+                  <a:ext cx="2628605" cy="276999"/>
                 </a:xfrm>
                 <a:prstGeom prst="rect">
                   <a:avLst/>
@@ -16388,7 +16388,7 @@
         </p:nvSpPr>
         <p:spPr>
           <a:xfrm>
-            <a:off x="2057371" y="-9724"/>
+            <a:off x="2049718" y="-68974"/>
             <a:ext cx="5267789" cy="400110"/>
           </a:xfrm>
           <a:prstGeom prst="rect">
@@ -16429,14 +16429,14 @@
         </p:nvGrpSpPr>
         <p:grpSpPr>
           <a:xfrm>
-            <a:off x="106526" y="309476"/>
+            <a:off x="106526" y="167299"/>
             <a:ext cx="9037474" cy="6548524"/>
-            <a:chOff x="106526" y="309476"/>
+            <a:chOff x="106526" y="286444"/>
             <a:chExt cx="9037474" cy="6548524"/>
           </a:xfrm>
         </p:grpSpPr>
-        <mc:AlternateContent xmlns:mc="http://schemas.openxmlformats.org/markup-compatibility/2006" xmlns:a14="http://schemas.microsoft.com/office/drawing/2010/main">
-          <mc:Choice Requires="a14">
+        <mc:AlternateContent xmlns:mc="http://schemas.openxmlformats.org/markup-compatibility/2006">
+          <mc:Choice xmlns:a14="http://schemas.microsoft.com/office/drawing/2010/main" Requires="a14">
             <p:sp>
               <p:nvSpPr>
                 <p:cNvPr id="2" name="文本框 1">
@@ -16451,7 +16451,7 @@
               </p:nvSpPr>
               <p:spPr>
                 <a:xfrm>
-                  <a:off x="106526" y="309476"/>
+                  <a:off x="106526" y="286444"/>
                   <a:ext cx="9037474" cy="6548524"/>
                 </a:xfrm>
                 <a:prstGeom prst="rect">
@@ -19404,7 +19404,7 @@
               </p:txBody>
             </p:sp>
           </mc:Choice>
-          <mc:Fallback xmlns="">
+          <mc:Fallback>
             <p:sp>
               <p:nvSpPr>
                 <p:cNvPr id="2" name="文本框 1">
@@ -19421,7 +19421,7 @@
               </p:nvSpPr>
               <p:spPr>
                 <a:xfrm>
-                  <a:off x="106526" y="309476"/>
+                  <a:off x="106526" y="286444"/>
                   <a:ext cx="9037474" cy="6548524"/>
                 </a:xfrm>
                 <a:prstGeom prst="rect">
@@ -19430,7 +19430,7 @@
                 <a:blipFill>
                   <a:blip r:embed="rId3"/>
                   <a:stretch>
-                    <a:fillRect l="-421" t="-388" b="-388"/>
+                    <a:fillRect l="-421" t="-193" b="-1741"/>
                   </a:stretch>
                 </a:blipFill>
               </p:spPr>
@@ -19883,8 +19883,8 @@
           </p:nvSpPr>
           <p:spPr>
             <a:xfrm>
-              <a:off x="162809" y="390386"/>
-              <a:ext cx="8867380" cy="6353314"/>
+              <a:off x="162809" y="367354"/>
+              <a:ext cx="8867380" cy="6467614"/>
             </a:xfrm>
             <a:prstGeom prst="rect">
               <a:avLst/>
@@ -20015,8 +20015,8 @@
           </a:p>
         </p:txBody>
       </p:sp>
-      <mc:AlternateContent xmlns:mc="http://schemas.openxmlformats.org/markup-compatibility/2006" xmlns:a14="http://schemas.microsoft.com/office/drawing/2010/main">
-        <mc:Choice Requires="a14">
+      <mc:AlternateContent xmlns:mc="http://schemas.openxmlformats.org/markup-compatibility/2006">
+        <mc:Choice xmlns:a14="http://schemas.microsoft.com/office/drawing/2010/main" Requires="a14">
           <p:sp>
             <p:nvSpPr>
               <p:cNvPr id="4" name="文本框 3">
@@ -21829,6 +21829,7 @@
                 </a:r>
               </a:p>
               <a:p>
+                <a:pPr algn="just"/>
                 <a:r>
                   <a:rPr lang="en-US" altLang="zh-CN" dirty="0">
                     <a:latin typeface="Times New Roman" panose="02020603050405020304" pitchFamily="18" charset="0"/>
@@ -21974,7 +21975,21 @@
                     <a:latin typeface="Times New Roman" panose="02020603050405020304" pitchFamily="18" charset="0"/>
                     <a:cs typeface="Times New Roman" panose="02020603050405020304" pitchFamily="18" charset="0"/>
                   </a:rPr>
-                  <a:t>(learning 	and planning algorithms ensembles), so that better bridging and motion planning (at 	MIT seminar).</a:t>
+                  <a:t>(learning 	and planning algorithms ensembles), so that better bridging motion planning </a:t>
+                </a:r>
+                <a:r>
+                  <a:rPr lang="en-US" altLang="zh-CN">
+                    <a:latin typeface="Times New Roman" panose="02020603050405020304" pitchFamily="18" charset="0"/>
+                    <a:cs typeface="Times New Roman" panose="02020603050405020304" pitchFamily="18" charset="0"/>
+                  </a:rPr>
+                  <a:t>and 	learning (</a:t>
+                </a:r>
+                <a:r>
+                  <a:rPr lang="en-US" altLang="zh-CN" dirty="0">
+                    <a:latin typeface="Times New Roman" panose="02020603050405020304" pitchFamily="18" charset="0"/>
+                    <a:cs typeface="Times New Roman" panose="02020603050405020304" pitchFamily="18" charset="0"/>
+                  </a:rPr>
+                  <a:t>at MIT seminar).</a:t>
                 </a:r>
               </a:p>
               <a:p>
@@ -22011,13 +22026,13 @@
                     <a:latin typeface="Times New Roman" panose="02020603050405020304" pitchFamily="18" charset="0"/>
                     <a:cs typeface="Times New Roman" panose="02020603050405020304" pitchFamily="18" charset="0"/>
                   </a:rPr>
-                  <a:t>restricted and hard for rue sys application.</a:t>
+                  <a:t>restricted and hard for true sys applying.</a:t>
                 </a:r>
               </a:p>
             </p:txBody>
           </p:sp>
         </mc:Choice>
-        <mc:Fallback xmlns="">
+        <mc:Fallback>
           <p:sp>
             <p:nvSpPr>
               <p:cNvPr id="4" name="文本框 3">

--- a/.github/niceproject/source/learning/robotics/lmtd_rrt.pptx
+++ b/.github/niceproject/source/learning/robotics/lmtd_rrt.pptx
@@ -214,7 +214,7 @@
           <a:p>
             <a:fld id="{0E43F09C-6EB0-49C9-988E-C9543D80D126}" type="datetimeFigureOut">
               <a:rPr lang="zh-CN" altLang="en-US" smtClean="0"/>
-              <a:t>2023/5/9</a:t>
+              <a:t>2023/5/10</a:t>
             </a:fld>
             <a:endParaRPr lang="zh-CN" altLang="en-US"/>
           </a:p>
@@ -869,7 +869,7 @@
           <a:p>
             <a:fld id="{3C53B58A-472C-4EA6-B2E6-D44B6543A13E}" type="datetime1">
               <a:rPr lang="zh-CN" altLang="en-US" smtClean="0"/>
-              <a:t>2023/5/9</a:t>
+              <a:t>2023/5/10</a:t>
             </a:fld>
             <a:endParaRPr lang="zh-CN" altLang="en-US"/>
           </a:p>
@@ -1039,7 +1039,7 @@
           <a:p>
             <a:fld id="{1D6F6685-B1ED-4262-B140-8BD502FC7748}" type="datetime1">
               <a:rPr lang="zh-CN" altLang="en-US" smtClean="0"/>
-              <a:t>2023/5/9</a:t>
+              <a:t>2023/5/10</a:t>
             </a:fld>
             <a:endParaRPr lang="zh-CN" altLang="en-US"/>
           </a:p>
@@ -1219,7 +1219,7 @@
           <a:p>
             <a:fld id="{8D7C882E-9F07-4216-932B-9437D2960A88}" type="datetime1">
               <a:rPr lang="zh-CN" altLang="en-US" smtClean="0"/>
-              <a:t>2023/5/9</a:t>
+              <a:t>2023/5/10</a:t>
             </a:fld>
             <a:endParaRPr lang="zh-CN" altLang="en-US"/>
           </a:p>
@@ -1509,7 +1509,7 @@
                   </a:prstClr>
                 </a:solidFill>
               </a:rPr>
-              <a:t>2023/5/9</a:t>
+              <a:t>2023/5/10</a:t>
             </a:fld>
             <a:endParaRPr lang="zh-CN" altLang="en-US">
               <a:solidFill>
@@ -1785,7 +1785,7 @@
                   </a:prstClr>
                 </a:solidFill>
               </a:rPr>
-              <a:t>2023/5/9</a:t>
+              <a:t>2023/5/10</a:t>
             </a:fld>
             <a:endParaRPr lang="zh-CN" altLang="en-US">
               <a:solidFill>
@@ -2101,7 +2101,7 @@
                   </a:prstClr>
                 </a:solidFill>
               </a:rPr>
-              <a:t>2023/5/9</a:t>
+              <a:t>2023/5/10</a:t>
             </a:fld>
             <a:endParaRPr lang="zh-CN" altLang="en-US">
               <a:solidFill>
@@ -2551,7 +2551,7 @@
                   </a:prstClr>
                 </a:solidFill>
               </a:rPr>
-              <a:t>2023/5/9</a:t>
+              <a:t>2023/5/10</a:t>
             </a:fld>
             <a:endParaRPr lang="zh-CN" altLang="en-US">
               <a:solidFill>
@@ -2699,7 +2699,7 @@
                   </a:prstClr>
                 </a:solidFill>
               </a:rPr>
-              <a:t>2023/5/9</a:t>
+              <a:t>2023/5/10</a:t>
             </a:fld>
             <a:endParaRPr lang="zh-CN" altLang="en-US">
               <a:solidFill>
@@ -2825,7 +2825,7 @@
                   </a:prstClr>
                 </a:solidFill>
               </a:rPr>
-              <a:t>2023/5/9</a:t>
+              <a:t>2023/5/10</a:t>
             </a:fld>
             <a:endParaRPr lang="zh-CN" altLang="en-US">
               <a:solidFill>
@@ -3131,7 +3131,7 @@
                   </a:prstClr>
                 </a:solidFill>
               </a:rPr>
-              <a:t>2023/5/9</a:t>
+              <a:t>2023/5/10</a:t>
             </a:fld>
             <a:endParaRPr lang="zh-CN" altLang="en-US">
               <a:solidFill>
@@ -3326,7 +3326,7 @@
           <a:p>
             <a:fld id="{DAA75348-6450-4B23-85A1-44F416A2035D}" type="datetime1">
               <a:rPr lang="zh-CN" altLang="en-US" smtClean="0"/>
-              <a:t>2023/5/9</a:t>
+              <a:t>2023/5/10</a:t>
             </a:fld>
             <a:endParaRPr lang="zh-CN" altLang="en-US"/>
           </a:p>
@@ -3584,7 +3584,7 @@
                   </a:prstClr>
                 </a:solidFill>
               </a:rPr>
-              <a:t>2023/5/9</a:t>
+              <a:t>2023/5/10</a:t>
             </a:fld>
             <a:endParaRPr lang="zh-CN" altLang="en-US">
               <a:solidFill>
@@ -3783,7 +3783,7 @@
                   </a:prstClr>
                 </a:solidFill>
               </a:rPr>
-              <a:t>2023/5/9</a:t>
+              <a:t>2023/5/10</a:t>
             </a:fld>
             <a:endParaRPr lang="zh-CN" altLang="en-US">
               <a:solidFill>
@@ -3992,7 +3992,7 @@
                   </a:prstClr>
                 </a:solidFill>
               </a:rPr>
-              <a:t>2023/5/9</a:t>
+              <a:t>2023/5/10</a:t>
             </a:fld>
             <a:endParaRPr lang="zh-CN" altLang="en-US">
               <a:solidFill>
@@ -4225,7 +4225,7 @@
           <a:p>
             <a:fld id="{A70106A1-9236-4947-AAA3-2A6F60E21C6B}" type="datetimeFigureOut">
               <a:rPr kumimoji="1" lang="zh-CN" altLang="en-US" smtClean="0"/>
-              <a:t>2023/5/9</a:t>
+              <a:t>2023/5/10</a:t>
             </a:fld>
             <a:endParaRPr kumimoji="1" lang="zh-CN" altLang="en-US"/>
           </a:p>
@@ -4481,7 +4481,7 @@
           <a:p>
             <a:fld id="{2A097217-4B33-4C00-BA0F-1F06E5DDB433}" type="datetime1">
               <a:rPr lang="zh-CN" altLang="en-US" smtClean="0"/>
-              <a:t>2023/5/9</a:t>
+              <a:t>2023/5/10</a:t>
             </a:fld>
             <a:endParaRPr lang="zh-CN" altLang="en-US"/>
           </a:p>
@@ -4713,7 +4713,7 @@
           <a:p>
             <a:fld id="{65266C25-ED4D-48DF-9435-5DCE3446B666}" type="datetime1">
               <a:rPr lang="zh-CN" altLang="en-US" smtClean="0"/>
-              <a:t>2023/5/9</a:t>
+              <a:t>2023/5/10</a:t>
             </a:fld>
             <a:endParaRPr lang="zh-CN" altLang="en-US"/>
           </a:p>
@@ -5080,7 +5080,7 @@
           <a:p>
             <a:fld id="{FBF56ED1-BFAD-4986-B886-D85DD87B6D52}" type="datetime1">
               <a:rPr lang="zh-CN" altLang="en-US" smtClean="0"/>
-              <a:t>2023/5/9</a:t>
+              <a:t>2023/5/10</a:t>
             </a:fld>
             <a:endParaRPr lang="zh-CN" altLang="en-US"/>
           </a:p>
@@ -5198,7 +5198,7 @@
           <a:p>
             <a:fld id="{A2CBF10F-4560-4FB4-B08A-7E0163E2C350}" type="datetime1">
               <a:rPr lang="zh-CN" altLang="en-US" smtClean="0"/>
-              <a:t>2023/5/9</a:t>
+              <a:t>2023/5/10</a:t>
             </a:fld>
             <a:endParaRPr lang="zh-CN" altLang="en-US"/>
           </a:p>
@@ -5293,7 +5293,7 @@
           <a:p>
             <a:fld id="{541F71FE-108D-49A0-826A-5EF1AE17C461}" type="datetime1">
               <a:rPr lang="zh-CN" altLang="en-US" smtClean="0"/>
-              <a:t>2023/5/9</a:t>
+              <a:t>2023/5/10</a:t>
             </a:fld>
             <a:endParaRPr lang="zh-CN" altLang="en-US"/>
           </a:p>
@@ -5570,7 +5570,7 @@
           <a:p>
             <a:fld id="{E709C95F-B1FD-4240-92C1-7F908D0A9413}" type="datetime1">
               <a:rPr lang="zh-CN" altLang="en-US" smtClean="0"/>
-              <a:t>2023/5/9</a:t>
+              <a:t>2023/5/10</a:t>
             </a:fld>
             <a:endParaRPr lang="zh-CN" altLang="en-US"/>
           </a:p>
@@ -5827,7 +5827,7 @@
           <a:p>
             <a:fld id="{72787B36-F8F3-423B-BBF3-10E759FD2F40}" type="datetime1">
               <a:rPr lang="zh-CN" altLang="en-US" smtClean="0"/>
-              <a:t>2023/5/9</a:t>
+              <a:t>2023/5/10</a:t>
             </a:fld>
             <a:endParaRPr lang="zh-CN" altLang="en-US"/>
           </a:p>
@@ -6040,7 +6040,7 @@
           <a:p>
             <a:fld id="{02BFC9E1-FBB1-400C-99DC-5F9855695E64}" type="datetime1">
               <a:rPr lang="zh-CN" altLang="en-US" smtClean="0"/>
-              <a:t>2023/5/9</a:t>
+              <a:t>2023/5/10</a:t>
             </a:fld>
             <a:endParaRPr lang="zh-CN" altLang="en-US"/>
           </a:p>
@@ -6585,7 +6585,7 @@
                   </a:prstClr>
                 </a:solidFill>
               </a:rPr>
-              <a:t>2023/5/9</a:t>
+              <a:t>2023/5/10</a:t>
             </a:fld>
             <a:endParaRPr lang="zh-CN" altLang="en-US">
               <a:solidFill>
@@ -7053,6 +7053,63 @@
         <p:spPr>
           <a:xfrm>
             <a:off x="1242136" y="2796703"/>
+            <a:ext cx="6659727" cy="400110"/>
+          </a:xfrm>
+          <a:prstGeom prst="rect">
+            <a:avLst/>
+          </a:prstGeom>
+          <a:noFill/>
+        </p:spPr>
+        <p:txBody>
+          <a:bodyPr wrap="square" rtlCol="0">
+            <a:spAutoFit/>
+          </a:bodyPr>
+          <a:lstStyle/>
+          <a:p>
+            <a:pPr algn="ctr" defTabSz="820971"/>
+            <a:r>
+              <a:rPr lang="en-US" altLang="zh-CN" sz="2000" dirty="0">
+                <a:solidFill>
+                  <a:schemeClr val="tx1">
+                    <a:lumMod val="85000"/>
+                    <a:lumOff val="15000"/>
+                  </a:schemeClr>
+                </a:solidFill>
+                <a:latin typeface="Times New Roman" panose="02020603050405020304" pitchFamily="18" charset="0"/>
+                <a:ea typeface="微软雅黑" panose="020B0503020204020204" pitchFamily="34" charset="-122"/>
+                <a:cs typeface="Times New Roman" panose="02020603050405020304" pitchFamily="18" charset="0"/>
+              </a:rPr>
+              <a:t>Tags: Bridging Learning and Motion Planning</a:t>
+            </a:r>
+            <a:endParaRPr lang="zh-CN" altLang="en-US" sz="2000" dirty="0">
+              <a:solidFill>
+                <a:schemeClr val="tx1">
+                  <a:lumMod val="85000"/>
+                  <a:lumOff val="15000"/>
+                </a:schemeClr>
+              </a:solidFill>
+              <a:latin typeface="Times New Roman" panose="02020603050405020304" pitchFamily="18" charset="0"/>
+              <a:ea typeface="微软雅黑" panose="020B0503020204020204" pitchFamily="34" charset="-122"/>
+              <a:cs typeface="Times New Roman" panose="02020603050405020304" pitchFamily="18" charset="0"/>
+            </a:endParaRPr>
+          </a:p>
+        </p:txBody>
+      </p:sp>
+      <p:sp>
+        <p:nvSpPr>
+          <p:cNvPr id="6" name="TextBox 4">
+            <a:extLst>
+              <a:ext uri="{FF2B5EF4-FFF2-40B4-BE49-F238E27FC236}">
+                <a16:creationId xmlns:a16="http://schemas.microsoft.com/office/drawing/2014/main" id="{CC8425F4-7BD3-E940-8073-7FF48617CBD1}"/>
+              </a:ext>
+            </a:extLst>
+          </p:cNvPr>
+          <p:cNvSpPr txBox="1"/>
+          <p:nvPr/>
+        </p:nvSpPr>
+        <p:spPr>
+          <a:xfrm>
+            <a:off x="1242136" y="3211432"/>
             <a:ext cx="6659727" cy="1323439"/>
           </a:xfrm>
           <a:prstGeom prst="rect">
@@ -7096,7 +7153,7 @@
               <a:t>Knuth, Craig, et al. "Planning with learned dynamics: Probabilistic guarantees on safety and reachability via lipschitz constants." IEEE Robotics and Automation Letters 6.3 (2021): 5129-5136</a:t>
             </a:r>
             <a:r>
-              <a:rPr lang="en" altLang="zh-CN" dirty="0"/>
+              <a:rPr lang="en" altLang="zh-CN" sz="2000" dirty="0"/>
               <a:t>.</a:t>
             </a:r>
             <a:r>
@@ -14722,8 +14779,8 @@
             </a:p>
           </p:txBody>
         </p:sp>
-        <mc:AlternateContent xmlns:mc="http://schemas.openxmlformats.org/markup-compatibility/2006">
-          <mc:Choice xmlns:a14="http://schemas.microsoft.com/office/drawing/2010/main" Requires="a14">
+        <mc:AlternateContent xmlns:mc="http://schemas.openxmlformats.org/markup-compatibility/2006" xmlns:a14="http://schemas.microsoft.com/office/drawing/2010/main">
+          <mc:Choice Requires="a14">
             <p:sp>
               <p:nvSpPr>
                 <p:cNvPr id="40" name="文本框 39">
@@ -14816,7 +14873,7 @@
               </p:txBody>
             </p:sp>
           </mc:Choice>
-          <mc:Fallback>
+          <mc:Fallback xmlns="">
             <p:sp>
               <p:nvSpPr>
                 <p:cNvPr id="40" name="文本框 39">
@@ -16435,8 +16492,8 @@
             <a:chExt cx="9037474" cy="6548524"/>
           </a:xfrm>
         </p:grpSpPr>
-        <mc:AlternateContent xmlns:mc="http://schemas.openxmlformats.org/markup-compatibility/2006">
-          <mc:Choice xmlns:a14="http://schemas.microsoft.com/office/drawing/2010/main" Requires="a14">
+        <mc:AlternateContent xmlns:mc="http://schemas.openxmlformats.org/markup-compatibility/2006" xmlns:a14="http://schemas.microsoft.com/office/drawing/2010/main">
+          <mc:Choice Requires="a14">
             <p:sp>
               <p:nvSpPr>
                 <p:cNvPr id="2" name="文本框 1">
@@ -19404,7 +19461,7 @@
               </p:txBody>
             </p:sp>
           </mc:Choice>
-          <mc:Fallback>
+          <mc:Fallback xmlns="">
             <p:sp>
               <p:nvSpPr>
                 <p:cNvPr id="2" name="文本框 1">
@@ -20015,8 +20072,8 @@
           </a:p>
         </p:txBody>
       </p:sp>
-      <mc:AlternateContent xmlns:mc="http://schemas.openxmlformats.org/markup-compatibility/2006">
-        <mc:Choice xmlns:a14="http://schemas.microsoft.com/office/drawing/2010/main" Requires="a14">
+      <mc:AlternateContent xmlns:mc="http://schemas.openxmlformats.org/markup-compatibility/2006" xmlns:a14="http://schemas.microsoft.com/office/drawing/2010/main">
+        <mc:Choice Requires="a14">
           <p:sp>
             <p:nvSpPr>
               <p:cNvPr id="4" name="文本框 3">
@@ -22032,7 +22089,7 @@
             </p:txBody>
           </p:sp>
         </mc:Choice>
-        <mc:Fallback>
+        <mc:Fallback xmlns="">
           <p:sp>
             <p:nvSpPr>
               <p:cNvPr id="4" name="文本框 3">
